--- a/FinalProject.pptx
+++ b/FinalProject.pptx
@@ -8074,7 +8074,7 @@
         <p:spPr>
           <a:xfrm>
             <a:off x="746449" y="5990253"/>
-            <a:ext cx="7980646" cy="646331"/>
+            <a:ext cx="8869680" cy="645160"/>
           </a:xfrm>
           <a:prstGeom prst="rect">
             <a:avLst/>
@@ -8087,6 +8087,7 @@
           </a:bodyPr>
           <a:lstStyle/>
           <a:p>
+            <a:pPr algn="l"/>
             <a:r>
               <a:rPr lang="en-IN" dirty="0"/>
               <a:t>You can find the code in this repository:</a:t>
@@ -8094,19 +8095,20 @@
             <a:endParaRPr lang="en-IN" dirty="0"/>
           </a:p>
           <a:p>
-            <a:r>
-              <a:rPr lang="en-IN" dirty="0">
+            <a:pPr algn="l"/>
+            <a:r>
+              <a:rPr lang="en-US" altLang="en-US" dirty="0">
                 <a:solidFill>
                   <a:schemeClr val="accent1">
                     <a:lumMod val="60000"/>
                     <a:lumOff val="40000"/>
                   </a:schemeClr>
                 </a:solidFill>
-                <a:hlinkClick r:id="rId1"/>
+                <a:hlinkClick r:id="rId1" tooltip="" action="ppaction://hlinkfile"/>
               </a:rPr>
-              <a:t>https://github.com/sudarsansathishkumar/VaultofCodes_Python_Intern_FinalProject</a:t>
-            </a:r>
-            <a:endParaRPr lang="en-IN" dirty="0">
+              <a:t>https://github.com/arijitgolui10/VaultofCodes_Python_Intern_FinalProject.git</a:t>
+            </a:r>
+            <a:endParaRPr lang="en-US" altLang="en-US" dirty="0">
               <a:solidFill>
                 <a:schemeClr val="accent1">
                   <a:lumMod val="60000"/>
